--- a/trunk/Dev_uCOS-II/Oufff2011_FiFi/Conception/Projet 2011.pptx
+++ b/trunk/Dev_uCOS-II/Oufff2011_FiFi/Conception/Projet 2011.pptx
@@ -289,7 +289,7 @@
             <a:fld id="{397FC281-25A1-46A2-9A43-360AFAB4B363}" type="datetimeFigureOut">
               <a:rPr lang="fr-FR" smtClean="0"/>
               <a:pPr/>
-              <a:t>09/04/2011</a:t>
+              <a:t>10/04/2011</a:t>
             </a:fld>
             <a:endParaRPr lang="fr-FR"/>
           </a:p>
@@ -456,7 +456,7 @@
             <a:fld id="{397FC281-25A1-46A2-9A43-360AFAB4B363}" type="datetimeFigureOut">
               <a:rPr lang="fr-FR" smtClean="0"/>
               <a:pPr/>
-              <a:t>09/04/2011</a:t>
+              <a:t>10/04/2011</a:t>
             </a:fld>
             <a:endParaRPr lang="fr-FR"/>
           </a:p>
@@ -633,7 +633,7 @@
             <a:fld id="{397FC281-25A1-46A2-9A43-360AFAB4B363}" type="datetimeFigureOut">
               <a:rPr lang="fr-FR" smtClean="0"/>
               <a:pPr/>
-              <a:t>09/04/2011</a:t>
+              <a:t>10/04/2011</a:t>
             </a:fld>
             <a:endParaRPr lang="fr-FR"/>
           </a:p>
@@ -800,7 +800,7 @@
             <a:fld id="{397FC281-25A1-46A2-9A43-360AFAB4B363}" type="datetimeFigureOut">
               <a:rPr lang="fr-FR" smtClean="0"/>
               <a:pPr/>
-              <a:t>09/04/2011</a:t>
+              <a:t>10/04/2011</a:t>
             </a:fld>
             <a:endParaRPr lang="fr-FR"/>
           </a:p>
@@ -1043,7 +1043,7 @@
             <a:fld id="{397FC281-25A1-46A2-9A43-360AFAB4B363}" type="datetimeFigureOut">
               <a:rPr lang="fr-FR" smtClean="0"/>
               <a:pPr/>
-              <a:t>09/04/2011</a:t>
+              <a:t>10/04/2011</a:t>
             </a:fld>
             <a:endParaRPr lang="fr-FR"/>
           </a:p>
@@ -1328,7 +1328,7 @@
             <a:fld id="{397FC281-25A1-46A2-9A43-360AFAB4B363}" type="datetimeFigureOut">
               <a:rPr lang="fr-FR" smtClean="0"/>
               <a:pPr/>
-              <a:t>09/04/2011</a:t>
+              <a:t>10/04/2011</a:t>
             </a:fld>
             <a:endParaRPr lang="fr-FR"/>
           </a:p>
@@ -1747,7 +1747,7 @@
             <a:fld id="{397FC281-25A1-46A2-9A43-360AFAB4B363}" type="datetimeFigureOut">
               <a:rPr lang="fr-FR" smtClean="0"/>
               <a:pPr/>
-              <a:t>09/04/2011</a:t>
+              <a:t>10/04/2011</a:t>
             </a:fld>
             <a:endParaRPr lang="fr-FR"/>
           </a:p>
@@ -1862,7 +1862,7 @@
             <a:fld id="{397FC281-25A1-46A2-9A43-360AFAB4B363}" type="datetimeFigureOut">
               <a:rPr lang="fr-FR" smtClean="0"/>
               <a:pPr/>
-              <a:t>09/04/2011</a:t>
+              <a:t>10/04/2011</a:t>
             </a:fld>
             <a:endParaRPr lang="fr-FR"/>
           </a:p>
@@ -1954,7 +1954,7 @@
             <a:fld id="{397FC281-25A1-46A2-9A43-360AFAB4B363}" type="datetimeFigureOut">
               <a:rPr lang="fr-FR" smtClean="0"/>
               <a:pPr/>
-              <a:t>09/04/2011</a:t>
+              <a:t>10/04/2011</a:t>
             </a:fld>
             <a:endParaRPr lang="fr-FR"/>
           </a:p>
@@ -2228,7 +2228,7 @@
             <a:fld id="{397FC281-25A1-46A2-9A43-360AFAB4B363}" type="datetimeFigureOut">
               <a:rPr lang="fr-FR" smtClean="0"/>
               <a:pPr/>
-              <a:t>09/04/2011</a:t>
+              <a:t>10/04/2011</a:t>
             </a:fld>
             <a:endParaRPr lang="fr-FR"/>
           </a:p>
@@ -2478,7 +2478,7 @@
             <a:fld id="{397FC281-25A1-46A2-9A43-360AFAB4B363}" type="datetimeFigureOut">
               <a:rPr lang="fr-FR" smtClean="0"/>
               <a:pPr/>
-              <a:t>09/04/2011</a:t>
+              <a:t>10/04/2011</a:t>
             </a:fld>
             <a:endParaRPr lang="fr-FR"/>
           </a:p>
@@ -2688,7 +2688,7 @@
             <a:fld id="{397FC281-25A1-46A2-9A43-360AFAB4B363}" type="datetimeFigureOut">
               <a:rPr lang="fr-FR" smtClean="0"/>
               <a:pPr/>
-              <a:t>09/04/2011</a:t>
+              <a:t>10/04/2011</a:t>
             </a:fld>
             <a:endParaRPr lang="fr-FR"/>
           </a:p>
@@ -3116,8 +3116,8 @@
                     <a:p>
                       <a:pPr algn="ctr"/>
                       <a:r>
-                        <a:rPr lang="fr-FR" sz="1600" b="1" dirty="0" smtClean="0"/>
-                        <a:t>Main</a:t>
+                        <a:rPr lang="fr-FR" sz="1600" b="1" smtClean="0"/>
+                        <a:t>TaskMain</a:t>
                       </a:r>
                       <a:endParaRPr lang="fr-FR" sz="1600" b="1" dirty="0"/>
                     </a:p>
@@ -3153,19 +3153,19 @@
                     <a:gradFill flip="none" rotWithShape="1">
                       <a:gsLst>
                         <a:gs pos="0">
-                          <a:srgbClr val="FFFF00">
+                          <a:srgbClr val="00B0F0">
                             <a:tint val="66000"/>
                             <a:satMod val="160000"/>
                           </a:srgbClr>
                         </a:gs>
                         <a:gs pos="50000">
-                          <a:srgbClr val="FFFF00">
+                          <a:srgbClr val="00B0F0">
                             <a:tint val="44500"/>
                             <a:satMod val="160000"/>
                           </a:srgbClr>
                         </a:gs>
                         <a:gs pos="100000">
-                          <a:srgbClr val="FFFF00">
+                          <a:srgbClr val="00B0F0">
                             <a:tint val="23500"/>
                             <a:satMod val="160000"/>
                           </a:srgbClr>
@@ -3294,19 +3294,19 @@
                     <a:gradFill flip="none" rotWithShape="1">
                       <a:gsLst>
                         <a:gs pos="0">
-                          <a:srgbClr val="FFFF00">
+                          <a:srgbClr val="00B0F0">
                             <a:tint val="66000"/>
                             <a:satMod val="160000"/>
                           </a:srgbClr>
                         </a:gs>
                         <a:gs pos="50000">
-                          <a:srgbClr val="FFFF00">
+                          <a:srgbClr val="00B0F0">
                             <a:tint val="44500"/>
                             <a:satMod val="160000"/>
                           </a:srgbClr>
                         </a:gs>
                         <a:gs pos="100000">
-                          <a:srgbClr val="FFFF00">
+                          <a:srgbClr val="00B0F0">
                             <a:tint val="23500"/>
                             <a:satMod val="160000"/>
                           </a:srgbClr>
@@ -3435,19 +3435,19 @@
                     <a:gradFill flip="none" rotWithShape="1">
                       <a:gsLst>
                         <a:gs pos="0">
-                          <a:srgbClr val="FFFF00">
+                          <a:srgbClr val="00B0F0">
                             <a:tint val="66000"/>
                             <a:satMod val="160000"/>
                           </a:srgbClr>
                         </a:gs>
                         <a:gs pos="50000">
-                          <a:srgbClr val="FFFF00">
+                          <a:srgbClr val="00B0F0">
                             <a:tint val="44500"/>
                             <a:satMod val="160000"/>
                           </a:srgbClr>
                         </a:gs>
                         <a:gs pos="100000">
-                          <a:srgbClr val="FFFF00">
+                          <a:srgbClr val="00B0F0">
                             <a:tint val="23500"/>
                             <a:satMod val="160000"/>
                           </a:srgbClr>
@@ -3576,19 +3576,19 @@
                     <a:gradFill flip="none" rotWithShape="1">
                       <a:gsLst>
                         <a:gs pos="0">
-                          <a:srgbClr val="FFFF00">
+                          <a:srgbClr val="00B0F0">
                             <a:tint val="66000"/>
                             <a:satMod val="160000"/>
                           </a:srgbClr>
                         </a:gs>
                         <a:gs pos="50000">
-                          <a:srgbClr val="FFFF00">
+                          <a:srgbClr val="00B0F0">
                             <a:tint val="44500"/>
                             <a:satMod val="160000"/>
                           </a:srgbClr>
                         </a:gs>
                         <a:gs pos="100000">
-                          <a:srgbClr val="FFFF00">
+                          <a:srgbClr val="00B0F0">
                             <a:tint val="23500"/>
                             <a:satMod val="160000"/>
                           </a:srgbClr>
@@ -3662,7 +3662,7 @@
           <p:nvPr/>
         </p:nvGraphicFramePr>
         <p:xfrm>
-          <a:off x="539552" y="5287803"/>
+          <a:off x="539552" y="5517232"/>
           <a:ext cx="1660347" cy="841250"/>
         </p:xfrm>
         <a:graphic>
@@ -3717,19 +3717,19 @@
                     <a:gradFill flip="none" rotWithShape="1">
                       <a:gsLst>
                         <a:gs pos="0">
-                          <a:srgbClr val="FFFF00">
+                          <a:srgbClr val="00B0F0">
                             <a:tint val="66000"/>
                             <a:satMod val="160000"/>
                           </a:srgbClr>
                         </a:gs>
                         <a:gs pos="50000">
-                          <a:srgbClr val="FFFF00">
+                          <a:srgbClr val="00B0F0">
                             <a:tint val="44500"/>
                             <a:satMod val="160000"/>
                           </a:srgbClr>
                         </a:gs>
                         <a:gs pos="100000">
-                          <a:srgbClr val="FFFF00">
+                          <a:srgbClr val="00B0F0">
                             <a:tint val="23500"/>
                             <a:satMod val="160000"/>
                           </a:srgbClr>

--- a/trunk/Dev_uCOS-II/Oufff2011_FiFi/Conception/Projet 2011.pptx
+++ b/trunk/Dev_uCOS-II/Oufff2011_FiFi/Conception/Projet 2011.pptx
@@ -289,7 +289,7 @@
             <a:fld id="{397FC281-25A1-46A2-9A43-360AFAB4B363}" type="datetimeFigureOut">
               <a:rPr lang="fr-FR" smtClean="0"/>
               <a:pPr/>
-              <a:t>10/04/2011</a:t>
+              <a:t>12/04/2011</a:t>
             </a:fld>
             <a:endParaRPr lang="fr-FR"/>
           </a:p>
@@ -456,7 +456,7 @@
             <a:fld id="{397FC281-25A1-46A2-9A43-360AFAB4B363}" type="datetimeFigureOut">
               <a:rPr lang="fr-FR" smtClean="0"/>
               <a:pPr/>
-              <a:t>10/04/2011</a:t>
+              <a:t>12/04/2011</a:t>
             </a:fld>
             <a:endParaRPr lang="fr-FR"/>
           </a:p>
@@ -633,7 +633,7 @@
             <a:fld id="{397FC281-25A1-46A2-9A43-360AFAB4B363}" type="datetimeFigureOut">
               <a:rPr lang="fr-FR" smtClean="0"/>
               <a:pPr/>
-              <a:t>10/04/2011</a:t>
+              <a:t>12/04/2011</a:t>
             </a:fld>
             <a:endParaRPr lang="fr-FR"/>
           </a:p>
@@ -800,7 +800,7 @@
             <a:fld id="{397FC281-25A1-46A2-9A43-360AFAB4B363}" type="datetimeFigureOut">
               <a:rPr lang="fr-FR" smtClean="0"/>
               <a:pPr/>
-              <a:t>10/04/2011</a:t>
+              <a:t>12/04/2011</a:t>
             </a:fld>
             <a:endParaRPr lang="fr-FR"/>
           </a:p>
@@ -1043,7 +1043,7 @@
             <a:fld id="{397FC281-25A1-46A2-9A43-360AFAB4B363}" type="datetimeFigureOut">
               <a:rPr lang="fr-FR" smtClean="0"/>
               <a:pPr/>
-              <a:t>10/04/2011</a:t>
+              <a:t>12/04/2011</a:t>
             </a:fld>
             <a:endParaRPr lang="fr-FR"/>
           </a:p>
@@ -1328,7 +1328,7 @@
             <a:fld id="{397FC281-25A1-46A2-9A43-360AFAB4B363}" type="datetimeFigureOut">
               <a:rPr lang="fr-FR" smtClean="0"/>
               <a:pPr/>
-              <a:t>10/04/2011</a:t>
+              <a:t>12/04/2011</a:t>
             </a:fld>
             <a:endParaRPr lang="fr-FR"/>
           </a:p>
@@ -1747,7 +1747,7 @@
             <a:fld id="{397FC281-25A1-46A2-9A43-360AFAB4B363}" type="datetimeFigureOut">
               <a:rPr lang="fr-FR" smtClean="0"/>
               <a:pPr/>
-              <a:t>10/04/2011</a:t>
+              <a:t>12/04/2011</a:t>
             </a:fld>
             <a:endParaRPr lang="fr-FR"/>
           </a:p>
@@ -1862,7 +1862,7 @@
             <a:fld id="{397FC281-25A1-46A2-9A43-360AFAB4B363}" type="datetimeFigureOut">
               <a:rPr lang="fr-FR" smtClean="0"/>
               <a:pPr/>
-              <a:t>10/04/2011</a:t>
+              <a:t>12/04/2011</a:t>
             </a:fld>
             <a:endParaRPr lang="fr-FR"/>
           </a:p>
@@ -1954,7 +1954,7 @@
             <a:fld id="{397FC281-25A1-46A2-9A43-360AFAB4B363}" type="datetimeFigureOut">
               <a:rPr lang="fr-FR" smtClean="0"/>
               <a:pPr/>
-              <a:t>10/04/2011</a:t>
+              <a:t>12/04/2011</a:t>
             </a:fld>
             <a:endParaRPr lang="fr-FR"/>
           </a:p>
@@ -2228,7 +2228,7 @@
             <a:fld id="{397FC281-25A1-46A2-9A43-360AFAB4B363}" type="datetimeFigureOut">
               <a:rPr lang="fr-FR" smtClean="0"/>
               <a:pPr/>
-              <a:t>10/04/2011</a:t>
+              <a:t>12/04/2011</a:t>
             </a:fld>
             <a:endParaRPr lang="fr-FR"/>
           </a:p>
@@ -2478,7 +2478,7 @@
             <a:fld id="{397FC281-25A1-46A2-9A43-360AFAB4B363}" type="datetimeFigureOut">
               <a:rPr lang="fr-FR" smtClean="0"/>
               <a:pPr/>
-              <a:t>10/04/2011</a:t>
+              <a:t>12/04/2011</a:t>
             </a:fld>
             <a:endParaRPr lang="fr-FR"/>
           </a:p>
@@ -2688,7 +2688,7 @@
             <a:fld id="{397FC281-25A1-46A2-9A43-360AFAB4B363}" type="datetimeFigureOut">
               <a:rPr lang="fr-FR" smtClean="0"/>
               <a:pPr/>
-              <a:t>10/04/2011</a:t>
+              <a:t>12/04/2011</a:t>
             </a:fld>
             <a:endParaRPr lang="fr-FR"/>
           </a:p>
@@ -3804,147 +3804,6 @@
       </p:graphicFrame>
       <p:graphicFrame>
         <p:nvGraphicFramePr>
-          <p:cNvPr id="10" name="Tableau 9"/>
-          <p:cNvGraphicFramePr>
-            <a:graphicFrameLocks noGrp="1"/>
-          </p:cNvGraphicFramePr>
-          <p:nvPr/>
-        </p:nvGraphicFramePr>
-        <p:xfrm>
-          <a:off x="2915816" y="3140968"/>
-          <a:ext cx="1660347" cy="1539717"/>
-        </p:xfrm>
-        <a:graphic>
-          <a:graphicData uri="http://schemas.openxmlformats.org/drawingml/2006/table">
-            <a:tbl>
-              <a:tblPr/>
-              <a:tblGrid>
-                <a:gridCol w="1660347"/>
-              </a:tblGrid>
-              <a:tr h="250376">
-                <a:tc>
-                  <a:txBody>
-                    <a:bodyPr/>
-                    <a:lstStyle/>
-                    <a:p>
-                      <a:pPr algn="ctr"/>
-                      <a:r>
-                        <a:rPr lang="fr-FR" sz="1600" b="1" dirty="0" err="1" smtClean="0"/>
-                        <a:t>QMvt</a:t>
-                      </a:r>
-                      <a:endParaRPr lang="fr-FR" sz="1600" b="1" dirty="0"/>
-                    </a:p>
-                  </a:txBody>
-                  <a:tcPr>
-                    <a:lnL w="12700" cmpd="sng">
-                      <a:solidFill>
-                        <a:schemeClr val="tx1"/>
-                      </a:solidFill>
-                      <a:prstDash val="solid"/>
-                    </a:lnL>
-                    <a:lnR w="12700" cmpd="sng">
-                      <a:solidFill>
-                        <a:schemeClr val="tx1"/>
-                      </a:solidFill>
-                      <a:prstDash val="solid"/>
-                    </a:lnR>
-                    <a:lnT w="12700" cmpd="sng">
-                      <a:solidFill>
-                        <a:schemeClr val="tx1"/>
-                      </a:solidFill>
-                      <a:prstDash val="solid"/>
-                    </a:lnT>
-                    <a:lnB w="12700" cap="flat" cmpd="sng" algn="ctr">
-                      <a:solidFill>
-                        <a:schemeClr val="tx1"/>
-                      </a:solidFill>
-                      <a:prstDash val="solid"/>
-                      <a:round/>
-                      <a:headEnd type="none" w="med" len="med"/>
-                      <a:tailEnd type="none" w="med" len="med"/>
-                    </a:lnB>
-                    <a:gradFill flip="none" rotWithShape="1">
-                      <a:gsLst>
-                        <a:gs pos="0">
-                          <a:srgbClr val="FF0000">
-                            <a:tint val="66000"/>
-                            <a:satMod val="160000"/>
-                          </a:srgbClr>
-                        </a:gs>
-                        <a:gs pos="50000">
-                          <a:srgbClr val="FF0000">
-                            <a:tint val="44500"/>
-                            <a:satMod val="160000"/>
-                          </a:srgbClr>
-                        </a:gs>
-                        <a:gs pos="100000">
-                          <a:srgbClr val="FF0000">
-                            <a:tint val="23500"/>
-                            <a:satMod val="160000"/>
-                          </a:srgbClr>
-                        </a:gs>
-                      </a:gsLst>
-                      <a:path path="circle">
-                        <a:fillToRect l="50000" t="50000" r="50000" b="50000"/>
-                      </a:path>
-                      <a:tileRect/>
-                    </a:gradFill>
-                  </a:tcPr>
-                </a:tc>
-              </a:tr>
-              <a:tr h="1204437">
-                <a:tc>
-                  <a:txBody>
-                    <a:bodyPr/>
-                    <a:lstStyle/>
-                    <a:p>
-                      <a:pPr algn="ctr"/>
-                      <a:endParaRPr lang="fr-FR" dirty="0"/>
-                    </a:p>
-                  </a:txBody>
-                  <a:tcPr>
-                    <a:lnL w="12700" cap="flat" cmpd="sng" algn="ctr">
-                      <a:solidFill>
-                        <a:schemeClr val="tx1"/>
-                      </a:solidFill>
-                      <a:prstDash val="solid"/>
-                      <a:round/>
-                      <a:headEnd type="none" w="med" len="med"/>
-                      <a:tailEnd type="none" w="med" len="med"/>
-                    </a:lnL>
-                    <a:lnR w="12700" cap="flat" cmpd="sng" algn="ctr">
-                      <a:solidFill>
-                        <a:schemeClr val="tx1"/>
-                      </a:solidFill>
-                      <a:prstDash val="solid"/>
-                      <a:round/>
-                      <a:headEnd type="none" w="med" len="med"/>
-                      <a:tailEnd type="none" w="med" len="med"/>
-                    </a:lnR>
-                    <a:lnT w="12700" cap="flat" cmpd="sng" algn="ctr">
-                      <a:solidFill>
-                        <a:schemeClr val="tx1"/>
-                      </a:solidFill>
-                      <a:prstDash val="solid"/>
-                      <a:round/>
-                      <a:headEnd type="none" w="med" len="med"/>
-                      <a:tailEnd type="none" w="med" len="med"/>
-                    </a:lnT>
-                    <a:lnB w="12700" cmpd="sng">
-                      <a:solidFill>
-                        <a:schemeClr val="tx1"/>
-                      </a:solidFill>
-                      <a:prstDash val="solid"/>
-                    </a:lnB>
-                  </a:tcPr>
-                </a:tc>
-              </a:tr>
-            </a:tbl>
-          </a:graphicData>
-        </a:graphic>
-      </p:graphicFrame>
-      <p:graphicFrame>
-        <p:nvGraphicFramePr>
           <p:cNvPr id="11" name="Tableau 10"/>
           <p:cNvGraphicFramePr>
             <a:graphicFrameLocks noGrp="1"/>
@@ -3952,7 +3811,7 @@
           <p:nvPr/>
         </p:nvGraphicFramePr>
         <p:xfrm>
-          <a:off x="6372200" y="3212976"/>
+          <a:off x="5940152" y="2996952"/>
           <a:ext cx="1660347" cy="1539717"/>
         </p:xfrm>
         <a:graphic>
@@ -4263,8 +4122,13 @@
                       <a:pPr algn="l"/>
                       <a:r>
                         <a:rPr lang="fr-FR" sz="900" dirty="0" smtClean="0"/>
-                        <a:t>5 -</a:t>
+                        <a:t>5 </a:t>
                       </a:r>
+                      <a:r>
+                        <a:rPr lang="fr-FR" sz="900" smtClean="0"/>
+                        <a:t>- NEW_MVT_AVAILABLE</a:t>
+                      </a:r>
+                      <a:endParaRPr lang="fr-FR" sz="900" dirty="0" smtClean="0"/>
                     </a:p>
                     <a:p>
                       <a:pPr algn="l"/>
@@ -4277,11 +4141,7 @@
                       <a:pPr algn="l"/>
                       <a:r>
                         <a:rPr lang="fr-FR" sz="900" dirty="0" smtClean="0"/>
-                        <a:t>7 </a:t>
-                      </a:r>
-                      <a:r>
-                        <a:rPr lang="fr-FR" sz="900" smtClean="0"/>
-                        <a:t>- TIMER_STATUS</a:t>
+                        <a:t>7 - TIMER_STATUS</a:t>
                       </a:r>
                       <a:endParaRPr lang="fr-FR" sz="900" dirty="0"/>
                     </a:p>
@@ -5368,8 +5228,8 @@
         </p:nvSpPr>
         <p:spPr>
           <a:xfrm>
-            <a:off x="107504" y="2636912"/>
-            <a:ext cx="1008112" cy="648072"/>
+            <a:off x="755576" y="2780928"/>
+            <a:ext cx="1368152" cy="360040"/>
           </a:xfrm>
           <a:prstGeom prst="ellipse">
             <a:avLst/>
@@ -5395,25 +5255,6 @@
           <a:p>
             <a:pPr algn="ctr"/>
             <a:r>
-              <a:rPr lang="fr-FR" sz="1000" b="1" dirty="0" smtClean="0">
-                <a:solidFill>
-                  <a:schemeClr val="accent5">
-                    <a:lumMod val="75000"/>
-                  </a:schemeClr>
-                </a:solidFill>
-              </a:rPr>
-              <a:t>(x’, y’, a’)</a:t>
-            </a:r>
-            <a:br>
-              <a:rPr lang="fr-FR" sz="1000" b="1" dirty="0" smtClean="0">
-                <a:solidFill>
-                  <a:schemeClr val="accent5">
-                    <a:lumMod val="75000"/>
-                  </a:schemeClr>
-                </a:solidFill>
-              </a:rPr>
-            </a:br>
-            <a:r>
               <a:rPr lang="fr-FR" sz="1000" b="1" dirty="0" err="1" smtClean="0">
                 <a:solidFill>
                   <a:schemeClr val="accent5">
@@ -5421,17 +5262,7 @@
                   </a:schemeClr>
                 </a:solidFill>
               </a:rPr>
-              <a:t>Algo</a:t>
-            </a:r>
-            <a:r>
-              <a:rPr lang="fr-FR" sz="1000" b="1" dirty="0" smtClean="0">
-                <a:solidFill>
-                  <a:schemeClr val="accent5">
-                    <a:lumMod val="75000"/>
-                  </a:schemeClr>
-                </a:solidFill>
-              </a:rPr>
-              <a:t>, Speed</a:t>
+              <a:t>StructOdoPos</a:t>
             </a:r>
             <a:endParaRPr lang="fr-FR" sz="1000" b="1" dirty="0">
               <a:solidFill>
@@ -5451,8 +5282,8 @@
         </p:nvSpPr>
         <p:spPr>
           <a:xfrm>
-            <a:off x="2555776" y="1916832"/>
-            <a:ext cx="864096" cy="576064"/>
+            <a:off x="2339752" y="2852936"/>
+            <a:ext cx="1440160" cy="360040"/>
           </a:xfrm>
           <a:prstGeom prst="ellipse">
             <a:avLst/>
@@ -5478,6 +5309,16 @@
           <a:p>
             <a:pPr algn="ctr"/>
             <a:r>
+              <a:rPr lang="fr-FR" sz="1000" b="1" dirty="0" err="1" smtClean="0">
+                <a:solidFill>
+                  <a:schemeClr val="accent5">
+                    <a:lumMod val="75000"/>
+                  </a:schemeClr>
+                </a:solidFill>
+              </a:rPr>
+              <a:t>StructOdo</a:t>
+            </a:r>
+            <a:r>
               <a:rPr lang="fr-FR" sz="1000" b="1" dirty="0" smtClean="0">
                 <a:solidFill>
                   <a:schemeClr val="accent5">
@@ -5485,36 +5326,7 @@
                   </a:schemeClr>
                 </a:solidFill>
               </a:rPr>
-              <a:t>(x, y, a)</a:t>
-            </a:r>
-            <a:br>
-              <a:rPr lang="fr-FR" sz="1000" b="1" dirty="0" smtClean="0">
-                <a:solidFill>
-                  <a:schemeClr val="accent5">
-                    <a:lumMod val="75000"/>
-                  </a:schemeClr>
-                </a:solidFill>
-              </a:rPr>
-            </a:br>
-            <a:r>
-              <a:rPr lang="fr-FR" sz="1000" b="1" dirty="0" err="1" smtClean="0">
-                <a:solidFill>
-                  <a:schemeClr val="accent5">
-                    <a:lumMod val="75000"/>
-                  </a:schemeClr>
-                </a:solidFill>
-              </a:rPr>
-              <a:t>Algo</a:t>
-            </a:r>
-            <a:r>
-              <a:rPr lang="fr-FR" sz="1000" b="1" dirty="0" smtClean="0">
-                <a:solidFill>
-                  <a:schemeClr val="accent5">
-                    <a:lumMod val="75000"/>
-                  </a:schemeClr>
-                </a:solidFill>
-              </a:rPr>
-              <a:t>, Speed</a:t>
+              <a:t> Pos</a:t>
             </a:r>
             <a:endParaRPr lang="fr-FR" sz="1000" b="1" dirty="0">
               <a:solidFill>
@@ -5534,7 +5346,7 @@
         </p:nvCxnSpPr>
         <p:spPr>
           <a:xfrm>
-            <a:off x="2195736" y="5877272"/>
+            <a:off x="2195736" y="6093296"/>
             <a:ext cx="720080" cy="1588"/>
           </a:xfrm>
           <a:prstGeom prst="straightConnector1">
@@ -5627,47 +5439,14 @@
       </p:cxnSp>
       <p:cxnSp>
         <p:nvCxnSpPr>
-          <p:cNvPr id="24" name="Connecteur droit avec flèche 23"/>
-          <p:cNvCxnSpPr/>
-          <p:nvPr/>
-        </p:nvCxnSpPr>
-        <p:spPr>
-          <a:xfrm rot="5400000">
-            <a:off x="3815916" y="2816932"/>
-            <a:ext cx="648072" cy="1588"/>
-          </a:xfrm>
-          <a:prstGeom prst="straightConnector1">
-            <a:avLst/>
-          </a:prstGeom>
-          <a:ln>
-            <a:tailEnd type="arrow"/>
-          </a:ln>
-        </p:spPr>
-        <p:style>
-          <a:lnRef idx="3">
-            <a:schemeClr val="accent2"/>
-          </a:lnRef>
-          <a:fillRef idx="0">
-            <a:schemeClr val="accent2"/>
-          </a:fillRef>
-          <a:effectRef idx="2">
-            <a:schemeClr val="accent2"/>
-          </a:effectRef>
-          <a:fontRef idx="minor">
-            <a:schemeClr val="tx1"/>
-          </a:fontRef>
-        </p:style>
-      </p:cxnSp>
-      <p:cxnSp>
-        <p:nvCxnSpPr>
           <p:cNvPr id="26" name="Connecteur droit avec flèche 25"/>
           <p:cNvCxnSpPr/>
           <p:nvPr/>
         </p:nvCxnSpPr>
         <p:spPr>
           <a:xfrm rot="16200000" flipH="1">
-            <a:off x="5364088" y="1988840"/>
-            <a:ext cx="1368152" cy="1080120"/>
+            <a:off x="5292080" y="2060848"/>
+            <a:ext cx="1152128" cy="720080"/>
           </a:xfrm>
           <a:prstGeom prst="straightConnector1">
             <a:avLst/>
@@ -5699,8 +5478,8 @@
         </p:nvCxnSpPr>
         <p:spPr>
           <a:xfrm rot="5400000" flipH="1" flipV="1">
-            <a:off x="7236296" y="2852936"/>
-            <a:ext cx="720080" cy="1588"/>
+            <a:off x="7057070" y="2744130"/>
+            <a:ext cx="504056" cy="1588"/>
           </a:xfrm>
           <a:prstGeom prst="straightConnector1">
             <a:avLst/>
@@ -5732,41 +5511,8 @@
         </p:nvCxnSpPr>
         <p:spPr>
           <a:xfrm rot="5400000">
-            <a:off x="7236296" y="3717032"/>
+            <a:off x="7093074" y="3716238"/>
             <a:ext cx="2304256" cy="1588"/>
-          </a:xfrm>
-          <a:prstGeom prst="straightConnector1">
-            <a:avLst/>
-          </a:prstGeom>
-          <a:ln>
-            <a:tailEnd type="arrow"/>
-          </a:ln>
-        </p:spPr>
-        <p:style>
-          <a:lnRef idx="3">
-            <a:schemeClr val="accent2"/>
-          </a:lnRef>
-          <a:fillRef idx="0">
-            <a:schemeClr val="accent2"/>
-          </a:fillRef>
-          <a:effectRef idx="2">
-            <a:schemeClr val="accent2"/>
-          </a:effectRef>
-          <a:fontRef idx="minor">
-            <a:schemeClr val="tx1"/>
-          </a:fontRef>
-        </p:style>
-      </p:cxnSp>
-      <p:cxnSp>
-        <p:nvCxnSpPr>
-          <p:cNvPr id="32" name="Connecteur droit avec flèche 31"/>
-          <p:cNvCxnSpPr/>
-          <p:nvPr/>
-        </p:nvCxnSpPr>
-        <p:spPr>
-          <a:xfrm rot="10800000">
-            <a:off x="2195736" y="4365104"/>
-            <a:ext cx="720080" cy="1588"/>
           </a:xfrm>
           <a:prstGeom prst="straightConnector1">
             <a:avLst/>
@@ -5794,14 +5540,14 @@
         <p:nvCxnSpPr>
           <p:cNvPr id="35" name="Connecteur droit avec flèche 34"/>
           <p:cNvCxnSpPr>
-            <a:endCxn id="14" idx="1"/>
+            <a:endCxn id="14" idx="0"/>
           </p:cNvCxnSpPr>
           <p:nvPr/>
         </p:nvCxnSpPr>
         <p:spPr>
           <a:xfrm rot="16200000" flipH="1">
-            <a:off x="2252831" y="1571705"/>
-            <a:ext cx="444403" cy="414576"/>
+            <a:off x="2195738" y="1988842"/>
+            <a:ext cx="936102" cy="792086"/>
           </a:xfrm>
           <a:prstGeom prst="straightConnector1">
             <a:avLst/>
@@ -5829,14 +5575,14 @@
         <p:nvCxnSpPr>
           <p:cNvPr id="37" name="Connecteur droit avec flèche 36"/>
           <p:cNvCxnSpPr>
-            <a:stCxn id="14" idx="3"/>
+            <a:stCxn id="14" idx="4"/>
           </p:cNvCxnSpPr>
           <p:nvPr/>
         </p:nvCxnSpPr>
         <p:spPr>
           <a:xfrm rot="5400000">
-            <a:off x="1892790" y="2711479"/>
-            <a:ext cx="1092477" cy="486584"/>
+            <a:off x="2231740" y="3176972"/>
+            <a:ext cx="792088" cy="864096"/>
           </a:xfrm>
           <a:prstGeom prst="straightConnector1">
             <a:avLst/>
@@ -5863,15 +5609,13 @@
       <p:cxnSp>
         <p:nvCxnSpPr>
           <p:cNvPr id="40" name="Connecteur droit avec flèche 39"/>
-          <p:cNvCxnSpPr>
-            <a:stCxn id="14" idx="7"/>
-          </p:cNvCxnSpPr>
+          <p:cNvCxnSpPr/>
           <p:nvPr/>
         </p:nvCxnSpPr>
         <p:spPr>
           <a:xfrm rot="5400000" flipH="1" flipV="1">
-            <a:off x="3350423" y="1643714"/>
-            <a:ext cx="300387" cy="414576"/>
+            <a:off x="3095838" y="2240870"/>
+            <a:ext cx="864092" cy="360040"/>
           </a:xfrm>
           <a:prstGeom prst="straightConnector1">
             <a:avLst/>
@@ -5899,15 +5643,13 @@
       <p:cxnSp>
         <p:nvCxnSpPr>
           <p:cNvPr id="42" name="Connecteur droit avec flèche 41"/>
-          <p:cNvCxnSpPr>
-            <a:stCxn id="13" idx="7"/>
-          </p:cNvCxnSpPr>
+          <p:cNvCxnSpPr/>
           <p:nvPr/>
         </p:nvCxnSpPr>
         <p:spPr>
           <a:xfrm rot="5400000" flipH="1" flipV="1">
-            <a:off x="1066355" y="2466536"/>
-            <a:ext cx="166911" cy="363658"/>
+            <a:off x="1341288" y="2627264"/>
+            <a:ext cx="268738" cy="2"/>
           </a:xfrm>
           <a:prstGeom prst="straightConnector1">
             <a:avLst/>
@@ -5934,15 +5676,147 @@
       <p:cxnSp>
         <p:nvCxnSpPr>
           <p:cNvPr id="51" name="Connecteur droit avec flèche 50"/>
+          <p:cNvCxnSpPr/>
+          <p:nvPr/>
+        </p:nvCxnSpPr>
+        <p:spPr>
+          <a:xfrm rot="5400000" flipH="1" flipV="1">
+            <a:off x="1224422" y="3320194"/>
+            <a:ext cx="360040" cy="1588"/>
+          </a:xfrm>
+          <a:prstGeom prst="straightConnector1">
+            <a:avLst/>
+          </a:prstGeom>
+          <a:ln>
+            <a:tailEnd type="arrow"/>
+          </a:ln>
+        </p:spPr>
+        <p:style>
+          <a:lnRef idx="3">
+            <a:schemeClr val="accent5"/>
+          </a:lnRef>
+          <a:fillRef idx="0">
+            <a:schemeClr val="accent5"/>
+          </a:fillRef>
+          <a:effectRef idx="2">
+            <a:schemeClr val="accent5"/>
+          </a:effectRef>
+          <a:fontRef idx="minor">
+            <a:schemeClr val="tx1"/>
+          </a:fontRef>
+        </p:style>
+      </p:cxnSp>
+      <p:sp>
+        <p:nvSpPr>
+          <p:cNvPr id="61" name="Ellipse 60"/>
+          <p:cNvSpPr/>
+          <p:nvPr/>
+        </p:nvSpPr>
+        <p:spPr>
+          <a:xfrm>
+            <a:off x="3131840" y="4149080"/>
+            <a:ext cx="1440160" cy="360040"/>
+          </a:xfrm>
+          <a:prstGeom prst="ellipse">
+            <a:avLst/>
+          </a:prstGeom>
+        </p:spPr>
+        <p:style>
+          <a:lnRef idx="2">
+            <a:schemeClr val="accent5"/>
+          </a:lnRef>
+          <a:fillRef idx="1">
+            <a:schemeClr val="lt1"/>
+          </a:fillRef>
+          <a:effectRef idx="0">
+            <a:schemeClr val="accent5"/>
+          </a:effectRef>
+          <a:fontRef idx="minor">
+            <a:schemeClr val="dk1"/>
+          </a:fontRef>
+        </p:style>
+        <p:txBody>
+          <a:bodyPr rtlCol="0" anchor="ctr"/>
+          <a:lstStyle/>
+          <a:p>
+            <a:pPr algn="ctr"/>
+            <a:r>
+              <a:rPr lang="fr-FR" sz="1000" b="1" dirty="0" err="1" smtClean="0">
+                <a:solidFill>
+                  <a:schemeClr val="accent5">
+                    <a:lumMod val="75000"/>
+                  </a:schemeClr>
+                </a:solidFill>
+              </a:rPr>
+              <a:t>StructOdo</a:t>
+            </a:r>
+            <a:r>
+              <a:rPr lang="fr-FR" sz="1000" b="1" dirty="0" smtClean="0">
+                <a:solidFill>
+                  <a:schemeClr val="accent5">
+                    <a:lumMod val="75000"/>
+                  </a:schemeClr>
+                </a:solidFill>
+              </a:rPr>
+              <a:t> Pos</a:t>
+            </a:r>
+            <a:endParaRPr lang="fr-FR" sz="1000" b="1" dirty="0">
+              <a:solidFill>
+                <a:schemeClr val="accent5">
+                  <a:lumMod val="75000"/>
+                </a:schemeClr>
+              </a:solidFill>
+            </a:endParaRPr>
+          </a:p>
+        </p:txBody>
+      </p:sp>
+      <p:cxnSp>
+        <p:nvCxnSpPr>
+          <p:cNvPr id="62" name="Connecteur droit avec flèche 61"/>
           <p:cNvCxnSpPr>
-            <a:endCxn id="13" idx="5"/>
+            <a:stCxn id="61" idx="2"/>
           </p:cNvCxnSpPr>
           <p:nvPr/>
         </p:nvCxnSpPr>
         <p:spPr>
-          <a:xfrm rot="10800000">
-            <a:off x="967982" y="3190076"/>
-            <a:ext cx="363667" cy="310934"/>
+          <a:xfrm rot="10800000" flipV="1">
+            <a:off x="2195736" y="4329100"/>
+            <a:ext cx="936104" cy="36004"/>
+          </a:xfrm>
+          <a:prstGeom prst="straightConnector1">
+            <a:avLst/>
+          </a:prstGeom>
+          <a:ln>
+            <a:tailEnd type="arrow"/>
+          </a:ln>
+        </p:spPr>
+        <p:style>
+          <a:lnRef idx="3">
+            <a:schemeClr val="accent5"/>
+          </a:lnRef>
+          <a:fillRef idx="0">
+            <a:schemeClr val="accent5"/>
+          </a:fillRef>
+          <a:effectRef idx="2">
+            <a:schemeClr val="accent5"/>
+          </a:effectRef>
+          <a:fontRef idx="minor">
+            <a:schemeClr val="tx1"/>
+          </a:fontRef>
+        </p:style>
+      </p:cxnSp>
+      <p:cxnSp>
+        <p:nvCxnSpPr>
+          <p:cNvPr id="65" name="Connecteur droit avec flèche 64"/>
+          <p:cNvCxnSpPr>
+            <a:endCxn id="61" idx="0"/>
+          </p:cNvCxnSpPr>
+          <p:nvPr/>
+        </p:nvCxnSpPr>
+        <p:spPr>
+          <a:xfrm rot="5400000">
+            <a:off x="3347864" y="2996952"/>
+            <a:ext cx="1656184" cy="648072"/>
           </a:xfrm>
           <a:prstGeom prst="straightConnector1">
             <a:avLst/>
